--- a/ppt/7.图.pptx
+++ b/ppt/7.图.pptx
@@ -5,7 +5,7 @@
     <p:sldMasterId id="2147483648" r:id="rId1"/>
   </p:sldMasterIdLst>
   <p:notesMasterIdLst>
-    <p:notesMasterId r:id="rId14"/>
+    <p:notesMasterId r:id="rId15"/>
   </p:notesMasterIdLst>
   <p:sldIdLst>
     <p:sldId id="258" r:id="rId2"/>
@@ -13,13 +13,14 @@
     <p:sldId id="259" r:id="rId4"/>
     <p:sldId id="280" r:id="rId5"/>
     <p:sldId id="285" r:id="rId6"/>
-    <p:sldId id="286" r:id="rId7"/>
-    <p:sldId id="283" r:id="rId8"/>
-    <p:sldId id="289" r:id="rId9"/>
-    <p:sldId id="290" r:id="rId10"/>
-    <p:sldId id="279" r:id="rId11"/>
-    <p:sldId id="288" r:id="rId12"/>
-    <p:sldId id="265" r:id="rId13"/>
+    <p:sldId id="291" r:id="rId7"/>
+    <p:sldId id="286" r:id="rId8"/>
+    <p:sldId id="283" r:id="rId9"/>
+    <p:sldId id="289" r:id="rId10"/>
+    <p:sldId id="290" r:id="rId11"/>
+    <p:sldId id="279" r:id="rId12"/>
+    <p:sldId id="288" r:id="rId13"/>
+    <p:sldId id="265" r:id="rId14"/>
   </p:sldIdLst>
   <p:sldSz cx="12192000" cy="6858000"/>
   <p:notesSz cx="6858000" cy="9144000"/>
@@ -132,6 +133,7 @@
             <p14:sldId id="259"/>
             <p14:sldId id="280"/>
             <p14:sldId id="285"/>
+            <p14:sldId id="291"/>
             <p14:sldId id="286"/>
             <p14:sldId id="283"/>
             <p14:sldId id="289"/>
@@ -232,7 +234,7 @@
           <a:p>
             <a:fld id="{66C3546E-20F6-7649-A9A4-4E4A245D3E82}" type="datetimeFigureOut">
               <a:rPr kumimoji="1" lang="zh-CN" altLang="en-US" smtClean="0"/>
-              <a:t>2019/12/10</a:t>
+              <a:t>2020/3/14</a:t>
             </a:fld>
             <a:endParaRPr kumimoji="1" lang="zh-CN" altLang="en-US"/>
           </a:p>
@@ -588,7 +590,7 @@
           <a:p>
             <a:fld id="{0F8E57A1-C481-6944-857F-EAC8E932B5ED}" type="slidenum">
               <a:rPr kumimoji="1" lang="zh-CN" altLang="en-US" smtClean="0"/>
-              <a:t>10</a:t>
+              <a:t>11</a:t>
             </a:fld>
             <a:endParaRPr kumimoji="1" lang="zh-CN" altLang="en-US"/>
           </a:p>
@@ -672,7 +674,7 @@
           <a:p>
             <a:fld id="{0F8E57A1-C481-6944-857F-EAC8E932B5ED}" type="slidenum">
               <a:rPr kumimoji="1" lang="zh-CN" altLang="en-US" smtClean="0"/>
-              <a:t>11</a:t>
+              <a:t>12</a:t>
             </a:fld>
             <a:endParaRPr kumimoji="1" lang="zh-CN" altLang="en-US"/>
           </a:p>
@@ -756,7 +758,7 @@
           <a:p>
             <a:fld id="{0F8E57A1-C481-6944-857F-EAC8E932B5ED}" type="slidenum">
               <a:rPr kumimoji="1" lang="zh-CN" altLang="en-US" smtClean="0"/>
-              <a:t>12</a:t>
+              <a:t>13</a:t>
             </a:fld>
             <a:endParaRPr kumimoji="1" lang="zh-CN" altLang="en-US"/>
           </a:p>
@@ -922,7 +924,7 @@
           <a:p>
             <a:fld id="{1C49BB65-7B3F-4D4E-A397-BBFD82890A5A}" type="datetimeFigureOut">
               <a:rPr kumimoji="1" lang="zh-CN" altLang="en-US" smtClean="0"/>
-              <a:t>2019/12/10</a:t>
+              <a:t>2020/3/14</a:t>
             </a:fld>
             <a:endParaRPr kumimoji="1" lang="zh-CN" altLang="en-US"/>
           </a:p>
@@ -1120,7 +1122,7 @@
           <a:p>
             <a:fld id="{1C49BB65-7B3F-4D4E-A397-BBFD82890A5A}" type="datetimeFigureOut">
               <a:rPr kumimoji="1" lang="zh-CN" altLang="en-US" smtClean="0"/>
-              <a:t>2019/12/10</a:t>
+              <a:t>2020/3/14</a:t>
             </a:fld>
             <a:endParaRPr kumimoji="1" lang="zh-CN" altLang="en-US"/>
           </a:p>
@@ -1328,7 +1330,7 @@
           <a:p>
             <a:fld id="{1C49BB65-7B3F-4D4E-A397-BBFD82890A5A}" type="datetimeFigureOut">
               <a:rPr kumimoji="1" lang="zh-CN" altLang="en-US" smtClean="0"/>
-              <a:t>2019/12/10</a:t>
+              <a:t>2020/3/14</a:t>
             </a:fld>
             <a:endParaRPr kumimoji="1" lang="zh-CN" altLang="en-US"/>
           </a:p>
@@ -1526,7 +1528,7 @@
           <a:p>
             <a:fld id="{1C49BB65-7B3F-4D4E-A397-BBFD82890A5A}" type="datetimeFigureOut">
               <a:rPr kumimoji="1" lang="zh-CN" altLang="en-US" smtClean="0"/>
-              <a:t>2019/12/10</a:t>
+              <a:t>2020/3/14</a:t>
             </a:fld>
             <a:endParaRPr kumimoji="1" lang="zh-CN" altLang="en-US"/>
           </a:p>
@@ -1801,7 +1803,7 @@
           <a:p>
             <a:fld id="{1C49BB65-7B3F-4D4E-A397-BBFD82890A5A}" type="datetimeFigureOut">
               <a:rPr kumimoji="1" lang="zh-CN" altLang="en-US" smtClean="0"/>
-              <a:t>2019/12/10</a:t>
+              <a:t>2020/3/14</a:t>
             </a:fld>
             <a:endParaRPr kumimoji="1" lang="zh-CN" altLang="en-US"/>
           </a:p>
@@ -2066,7 +2068,7 @@
           <a:p>
             <a:fld id="{1C49BB65-7B3F-4D4E-A397-BBFD82890A5A}" type="datetimeFigureOut">
               <a:rPr kumimoji="1" lang="zh-CN" altLang="en-US" smtClean="0"/>
-              <a:t>2019/12/10</a:t>
+              <a:t>2020/3/14</a:t>
             </a:fld>
             <a:endParaRPr kumimoji="1" lang="zh-CN" altLang="en-US"/>
           </a:p>
@@ -2478,7 +2480,7 @@
           <a:p>
             <a:fld id="{1C49BB65-7B3F-4D4E-A397-BBFD82890A5A}" type="datetimeFigureOut">
               <a:rPr kumimoji="1" lang="zh-CN" altLang="en-US" smtClean="0"/>
-              <a:t>2019/12/10</a:t>
+              <a:t>2020/3/14</a:t>
             </a:fld>
             <a:endParaRPr kumimoji="1" lang="zh-CN" altLang="en-US"/>
           </a:p>
@@ -2619,7 +2621,7 @@
           <a:p>
             <a:fld id="{1C49BB65-7B3F-4D4E-A397-BBFD82890A5A}" type="datetimeFigureOut">
               <a:rPr kumimoji="1" lang="zh-CN" altLang="en-US" smtClean="0"/>
-              <a:t>2019/12/10</a:t>
+              <a:t>2020/3/14</a:t>
             </a:fld>
             <a:endParaRPr kumimoji="1" lang="zh-CN" altLang="en-US"/>
           </a:p>
@@ -2989,7 +2991,7 @@
           <a:p>
             <a:fld id="{1C49BB65-7B3F-4D4E-A397-BBFD82890A5A}" type="datetimeFigureOut">
               <a:rPr kumimoji="1" lang="zh-CN" altLang="en-US" smtClean="0"/>
-              <a:t>2019/12/10</a:t>
+              <a:t>2020/3/14</a:t>
             </a:fld>
             <a:endParaRPr kumimoji="1" lang="zh-CN" altLang="en-US"/>
           </a:p>
@@ -3277,7 +3279,7 @@
           <a:p>
             <a:fld id="{1C49BB65-7B3F-4D4E-A397-BBFD82890A5A}" type="datetimeFigureOut">
               <a:rPr kumimoji="1" lang="zh-CN" altLang="en-US" smtClean="0"/>
-              <a:t>2019/12/10</a:t>
+              <a:t>2020/3/14</a:t>
             </a:fld>
             <a:endParaRPr kumimoji="1" lang="zh-CN" altLang="en-US"/>
           </a:p>
@@ -3518,7 +3520,7 @@
           <a:p>
             <a:fld id="{1C49BB65-7B3F-4D4E-A397-BBFD82890A5A}" type="datetimeFigureOut">
               <a:rPr kumimoji="1" lang="zh-CN" altLang="en-US" smtClean="0"/>
-              <a:t>2019/12/10</a:t>
+              <a:t>2020/3/14</a:t>
             </a:fld>
             <a:endParaRPr kumimoji="1" lang="zh-CN" altLang="en-US"/>
           </a:p>
@@ -4102,7 +4104,7 @@
     <p:bg>
       <p:bgPr>
         <a:blipFill>
-          <a:blip r:embed="rId3"/>
+          <a:blip r:embed="rId2"/>
           <a:tile tx="0" ty="0" sx="100000" sy="100000" flip="none" algn="tl"/>
         </a:blipFill>
         <a:effectLst/>
@@ -4124,10 +4126,10 @@
       </p:grpSpPr>
       <p:sp>
         <p:nvSpPr>
-          <p:cNvPr id="2" name="文本框 1">
-            <a:extLst>
-              <a:ext uri="{FF2B5EF4-FFF2-40B4-BE49-F238E27FC236}">
-                <a16:creationId xmlns:a16="http://schemas.microsoft.com/office/drawing/2014/main" id="{12AA8BCC-7B15-4842-80C2-48C079429338}"/>
+          <p:cNvPr id="3" name="文本框 2">
+            <a:extLst>
+              <a:ext uri="{FF2B5EF4-FFF2-40B4-BE49-F238E27FC236}">
+                <a16:creationId xmlns:a16="http://schemas.microsoft.com/office/drawing/2014/main" id="{62BFC649-BF8E-2841-8EAF-47AFBF9D6671}"/>
               </a:ext>
             </a:extLst>
           </p:cNvPr>
@@ -4136,8 +4138,8 @@
         </p:nvSpPr>
         <p:spPr>
           <a:xfrm>
-            <a:off x="2228088" y="2921168"/>
-            <a:ext cx="7735824" cy="1015663"/>
+            <a:off x="2054352" y="718220"/>
+            <a:ext cx="8083296" cy="830997"/>
           </a:xfrm>
           <a:prstGeom prst="rect">
             <a:avLst/>
@@ -4152,11 +4154,53 @@
           <a:p>
             <a:pPr algn="ctr"/>
             <a:r>
-              <a:rPr kumimoji="1" lang="zh-CN" altLang="en-US" sz="6000" dirty="0">
+              <a:rPr kumimoji="1" lang="en-US" altLang="zh-CN" sz="4800" dirty="0">
                 <a:latin typeface="Microsoft YaHei" panose="020B0503020204020204" pitchFamily="34" charset="-122"/>
                 <a:ea typeface="Microsoft YaHei" panose="020B0503020204020204" pitchFamily="34" charset="-122"/>
               </a:rPr>
-              <a:t>这堂课我们学了撒？</a:t>
+              <a:t>7.</a:t>
+            </a:r>
+            <a:r>
+              <a:rPr kumimoji="1" lang="zh-CN" altLang="en-US" sz="4800" dirty="0">
+                <a:latin typeface="Microsoft YaHei" panose="020B0503020204020204" pitchFamily="34" charset="-122"/>
+                <a:ea typeface="Microsoft YaHei" panose="020B0503020204020204" pitchFamily="34" charset="-122"/>
+              </a:rPr>
+              <a:t>拓扑排序和关键路径</a:t>
+            </a:r>
+          </a:p>
+        </p:txBody>
+      </p:sp>
+      <p:sp>
+        <p:nvSpPr>
+          <p:cNvPr id="2" name="文本框 1">
+            <a:extLst>
+              <a:ext uri="{FF2B5EF4-FFF2-40B4-BE49-F238E27FC236}">
+                <a16:creationId xmlns:a16="http://schemas.microsoft.com/office/drawing/2014/main" id="{2348A353-F74A-F749-85B3-0743B6EAB0EF}"/>
+              </a:ext>
+            </a:extLst>
+          </p:cNvPr>
+          <p:cNvSpPr txBox="1"/>
+          <p:nvPr/>
+        </p:nvSpPr>
+        <p:spPr>
+          <a:xfrm>
+            <a:off x="2466753" y="2445488"/>
+            <a:ext cx="6039294" cy="523220"/>
+          </a:xfrm>
+          <a:prstGeom prst="rect">
+            <a:avLst/>
+          </a:prstGeom>
+          <a:noFill/>
+        </p:spPr>
+        <p:txBody>
+          <a:bodyPr wrap="square" rtlCol="0">
+            <a:spAutoFit/>
+          </a:bodyPr>
+          <a:lstStyle/>
+          <a:p>
+            <a:r>
+              <a:rPr kumimoji="1" lang="zh-CN" altLang="en-US" sz="2800" dirty="0"/>
+              <a:t>基于单链表的基础，增加循环的功能</a:t>
             </a:r>
           </a:p>
         </p:txBody>
@@ -4164,7 +4208,7 @@
     </p:spTree>
     <p:extLst>
       <p:ext uri="{BB962C8B-B14F-4D97-AF65-F5344CB8AC3E}">
-        <p14:creationId xmlns:p14="http://schemas.microsoft.com/office/powerpoint/2010/main" val="3338372476"/>
+        <p14:creationId xmlns:p14="http://schemas.microsoft.com/office/powerpoint/2010/main" val="824558750"/>
       </p:ext>
     </p:extLst>
   </p:cSld>
@@ -4202,6 +4246,84 @@
       </p:grpSpPr>
       <p:sp>
         <p:nvSpPr>
+          <p:cNvPr id="2" name="文本框 1">
+            <a:extLst>
+              <a:ext uri="{FF2B5EF4-FFF2-40B4-BE49-F238E27FC236}">
+                <a16:creationId xmlns:a16="http://schemas.microsoft.com/office/drawing/2014/main" id="{12AA8BCC-7B15-4842-80C2-48C079429338}"/>
+              </a:ext>
+            </a:extLst>
+          </p:cNvPr>
+          <p:cNvSpPr txBox="1"/>
+          <p:nvPr/>
+        </p:nvSpPr>
+        <p:spPr>
+          <a:xfrm>
+            <a:off x="2228088" y="2921168"/>
+            <a:ext cx="7735824" cy="1015663"/>
+          </a:xfrm>
+          <a:prstGeom prst="rect">
+            <a:avLst/>
+          </a:prstGeom>
+          <a:noFill/>
+        </p:spPr>
+        <p:txBody>
+          <a:bodyPr wrap="square" rtlCol="0">
+            <a:spAutoFit/>
+          </a:bodyPr>
+          <a:lstStyle/>
+          <a:p>
+            <a:pPr algn="ctr"/>
+            <a:r>
+              <a:rPr kumimoji="1" lang="zh-CN" altLang="en-US" sz="6000" dirty="0">
+                <a:latin typeface="Microsoft YaHei" panose="020B0503020204020204" pitchFamily="34" charset="-122"/>
+                <a:ea typeface="Microsoft YaHei" panose="020B0503020204020204" pitchFamily="34" charset="-122"/>
+              </a:rPr>
+              <a:t>这堂课我们学了撒？</a:t>
+            </a:r>
+          </a:p>
+        </p:txBody>
+      </p:sp>
+    </p:spTree>
+    <p:extLst>
+      <p:ext uri="{BB962C8B-B14F-4D97-AF65-F5344CB8AC3E}">
+        <p14:creationId xmlns:p14="http://schemas.microsoft.com/office/powerpoint/2010/main" val="3338372476"/>
+      </p:ext>
+    </p:extLst>
+  </p:cSld>
+  <p:clrMapOvr>
+    <a:masterClrMapping/>
+  </p:clrMapOvr>
+</p:sld>
+</file>
+
+<file path=ppt/slides/slide12.xml><?xml version="1.0" encoding="utf-8"?>
+<p:sld xmlns:a="http://schemas.openxmlformats.org/drawingml/2006/main" xmlns:r="http://schemas.openxmlformats.org/officeDocument/2006/relationships" xmlns:p="http://schemas.openxmlformats.org/presentationml/2006/main">
+  <p:cSld>
+    <p:bg>
+      <p:bgPr>
+        <a:blipFill>
+          <a:blip r:embed="rId3"/>
+          <a:tile tx="0" ty="0" sx="100000" sy="100000" flip="none" algn="tl"/>
+        </a:blipFill>
+        <a:effectLst/>
+      </p:bgPr>
+    </p:bg>
+    <p:spTree>
+      <p:nvGrpSpPr>
+        <p:cNvPr id="1" name=""/>
+        <p:cNvGrpSpPr/>
+        <p:nvPr/>
+      </p:nvGrpSpPr>
+      <p:grpSpPr>
+        <a:xfrm>
+          <a:off x="0" y="0"/>
+          <a:ext cx="0" cy="0"/>
+          <a:chOff x="0" y="0"/>
+          <a:chExt cx="0" cy="0"/>
+        </a:xfrm>
+      </p:grpSpPr>
+      <p:sp>
+        <p:nvSpPr>
           <p:cNvPr id="3" name="文本框 2">
             <a:extLst>
               <a:ext uri="{FF2B5EF4-FFF2-40B4-BE49-F238E27FC236}">
@@ -4305,7 +4427,7 @@
 </p:sld>
 </file>
 
-<file path=ppt/slides/slide12.xml><?xml version="1.0" encoding="utf-8"?>
+<file path=ppt/slides/slide13.xml><?xml version="1.0" encoding="utf-8"?>
 <p:sld xmlns:a="http://schemas.openxmlformats.org/drawingml/2006/main" xmlns:r="http://schemas.openxmlformats.org/officeDocument/2006/relationships" xmlns:p="http://schemas.openxmlformats.org/presentationml/2006/main">
   <p:cSld>
     <p:bg>
@@ -4474,7 +4596,7 @@
                 <a:latin typeface="Microsoft YaHei" panose="020B0503020204020204" pitchFamily="34" charset="-122"/>
                 <a:ea typeface="Microsoft YaHei" panose="020B0503020204020204" pitchFamily="34" charset="-122"/>
               </a:rPr>
-              <a:t>抽象数据类型</a:t>
+              <a:t>图的一些概念</a:t>
             </a:r>
             <a:endParaRPr kumimoji="1" lang="en-US" altLang="zh-CN" sz="2800" dirty="0">
               <a:latin typeface="Microsoft YaHei" panose="020B0503020204020204" pitchFamily="34" charset="-122"/>
@@ -4714,8 +4836,8 @@
         </p:nvSpPr>
         <p:spPr>
           <a:xfrm>
-            <a:off x="1610042" y="2601758"/>
-            <a:ext cx="6609588" cy="523220"/>
+            <a:off x="1610042" y="2417896"/>
+            <a:ext cx="8261322" cy="954107"/>
           </a:xfrm>
           <a:prstGeom prst="rect">
             <a:avLst/>
@@ -4733,7 +4855,77 @@
                 <a:latin typeface="微软雅黑" panose="020B0503020204020204" pitchFamily="34" charset="-122"/>
                 <a:ea typeface="Microsoft YaHei" panose="020B0503020204020204" pitchFamily="34" charset="-122"/>
               </a:rPr>
-              <a:t>零个或者多个元素的有限序列</a:t>
+              <a:t>由顶点和顶点间边构成的集合，一般</a:t>
+            </a:r>
+            <a:r>
+              <a:rPr kumimoji="1" lang="en-US" altLang="zh-CN" sz="2800" dirty="0">
+                <a:latin typeface="微软雅黑" panose="020B0503020204020204" pitchFamily="34" charset="-122"/>
+                <a:ea typeface="Microsoft YaHei" panose="020B0503020204020204" pitchFamily="34" charset="-122"/>
+              </a:rPr>
+              <a:t>G</a:t>
+            </a:r>
+            <a:r>
+              <a:rPr kumimoji="1" lang="zh-CN" altLang="en-US" sz="2800" dirty="0">
+                <a:latin typeface="微软雅黑" panose="020B0503020204020204" pitchFamily="34" charset="-122"/>
+                <a:ea typeface="Microsoft YaHei" panose="020B0503020204020204" pitchFamily="34" charset="-122"/>
+              </a:rPr>
+              <a:t>表示图 </a:t>
+            </a:r>
+            <a:r>
+              <a:rPr kumimoji="1" lang="en-US" altLang="zh-CN" sz="2800" dirty="0">
+                <a:latin typeface="微软雅黑" panose="020B0503020204020204" pitchFamily="34" charset="-122"/>
+                <a:ea typeface="Microsoft YaHei" panose="020B0503020204020204" pitchFamily="34" charset="-122"/>
+              </a:rPr>
+              <a:t>G=(V</a:t>
+            </a:r>
+            <a:r>
+              <a:rPr kumimoji="1" lang="zh-CN" altLang="en-US" sz="2800" dirty="0">
+                <a:latin typeface="微软雅黑" panose="020B0503020204020204" pitchFamily="34" charset="-122"/>
+                <a:ea typeface="Microsoft YaHei" panose="020B0503020204020204" pitchFamily="34" charset="-122"/>
+              </a:rPr>
+              <a:t>，</a:t>
+            </a:r>
+            <a:r>
+              <a:rPr kumimoji="1" lang="en-US" altLang="zh-CN" sz="2800" dirty="0">
+                <a:latin typeface="微软雅黑" panose="020B0503020204020204" pitchFamily="34" charset="-122"/>
+                <a:ea typeface="Microsoft YaHei" panose="020B0503020204020204" pitchFamily="34" charset="-122"/>
+              </a:rPr>
+              <a:t>E),</a:t>
+            </a:r>
+            <a:r>
+              <a:rPr kumimoji="1" lang="zh-CN" altLang="en-US" sz="2800" dirty="0">
+                <a:latin typeface="微软雅黑" panose="020B0503020204020204" pitchFamily="34" charset="-122"/>
+                <a:ea typeface="Microsoft YaHei" panose="020B0503020204020204" pitchFamily="34" charset="-122"/>
+              </a:rPr>
+              <a:t> </a:t>
+            </a:r>
+            <a:r>
+              <a:rPr kumimoji="1" lang="en-US" altLang="zh-CN" sz="2800" dirty="0">
+                <a:latin typeface="微软雅黑" panose="020B0503020204020204" pitchFamily="34" charset="-122"/>
+                <a:ea typeface="Microsoft YaHei" panose="020B0503020204020204" pitchFamily="34" charset="-122"/>
+              </a:rPr>
+              <a:t>V</a:t>
+            </a:r>
+            <a:r>
+              <a:rPr kumimoji="1" lang="zh-CN" altLang="en-US" sz="2800" dirty="0">
+                <a:latin typeface="微软雅黑" panose="020B0503020204020204" pitchFamily="34" charset="-122"/>
+                <a:ea typeface="Microsoft YaHei" panose="020B0503020204020204" pitchFamily="34" charset="-122"/>
+              </a:rPr>
+              <a:t>代表顶点集合，</a:t>
+            </a:r>
+            <a:r>
+              <a:rPr kumimoji="1" lang="en-US" altLang="zh-CN" sz="2800" dirty="0">
+                <a:latin typeface="微软雅黑" panose="020B0503020204020204" pitchFamily="34" charset="-122"/>
+                <a:ea typeface="Microsoft YaHei" panose="020B0503020204020204" pitchFamily="34" charset="-122"/>
+              </a:rPr>
+              <a:t>E</a:t>
+            </a:r>
+            <a:r>
+              <a:rPr kumimoji="1" lang="zh-CN" altLang="en-US" sz="2800" dirty="0">
+                <a:latin typeface="微软雅黑" panose="020B0503020204020204" pitchFamily="34" charset="-122"/>
+                <a:ea typeface="Microsoft YaHei" panose="020B0503020204020204" pitchFamily="34" charset="-122"/>
+              </a:rPr>
+              <a:t>代表图中的边</a:t>
             </a:r>
           </a:p>
         </p:txBody>
@@ -4783,85 +4975,781 @@
       </p:sp>
       <p:sp>
         <p:nvSpPr>
-          <p:cNvPr id="7" name="文本框 6">
-            <a:extLst>
-              <a:ext uri="{FF2B5EF4-FFF2-40B4-BE49-F238E27FC236}">
-                <a16:creationId xmlns:a16="http://schemas.microsoft.com/office/drawing/2014/main" id="{E3DBEB63-A536-3344-AA3A-239CDFC4361D}"/>
-              </a:ext>
-            </a:extLst>
-          </p:cNvPr>
-          <p:cNvSpPr txBox="1"/>
+          <p:cNvPr id="10" name="椭圆 9">
+            <a:extLst>
+              <a:ext uri="{FF2B5EF4-FFF2-40B4-BE49-F238E27FC236}">
+                <a16:creationId xmlns:a16="http://schemas.microsoft.com/office/drawing/2014/main" id="{39C8C400-7A85-3741-BF29-66BF46D8F1C8}"/>
+              </a:ext>
+            </a:extLst>
+          </p:cNvPr>
+          <p:cNvSpPr/>
           <p:nvPr/>
         </p:nvSpPr>
         <p:spPr>
           <a:xfrm>
-            <a:off x="540000" y="3960000"/>
-            <a:ext cx="1070042" cy="542675"/>
-          </a:xfrm>
-          <a:prstGeom prst="rect">
+            <a:off x="5739393" y="3919727"/>
+            <a:ext cx="531628" cy="531628"/>
+          </a:xfrm>
+          <a:prstGeom prst="ellipse">
             <a:avLst/>
           </a:prstGeom>
-          <a:solidFill>
-            <a:schemeClr val="accent2"/>
-          </a:solidFill>
-        </p:spPr>
-        <p:txBody>
-          <a:bodyPr wrap="square" rtlCol="0">
-            <a:spAutoFit/>
-          </a:bodyPr>
-          <a:lstStyle/>
-          <a:p>
-            <a:r>
-              <a:rPr kumimoji="1" lang="zh-CN" altLang="en-US" sz="2800" dirty="0">
-                <a:solidFill>
-                  <a:schemeClr val="bg1"/>
-                </a:solidFill>
-                <a:latin typeface="Microsoft YaHei" panose="020B0503020204020204" pitchFamily="34" charset="-122"/>
-                <a:ea typeface="Microsoft YaHei" panose="020B0503020204020204" pitchFamily="34" charset="-122"/>
-              </a:rPr>
-              <a:t>例子</a:t>
-            </a:r>
-          </a:p>
-        </p:txBody>
-      </p:sp>
-      <p:sp>
-        <p:nvSpPr>
-          <p:cNvPr id="9" name="文本框 8">
-            <a:extLst>
-              <a:ext uri="{FF2B5EF4-FFF2-40B4-BE49-F238E27FC236}">
-                <a16:creationId xmlns:a16="http://schemas.microsoft.com/office/drawing/2014/main" id="{EA0C047A-A5B2-374F-BD04-7B639430470F}"/>
-              </a:ext>
-            </a:extLst>
-          </p:cNvPr>
-          <p:cNvSpPr txBox="1"/>
+        </p:spPr>
+        <p:style>
+          <a:lnRef idx="2">
+            <a:schemeClr val="accent1">
+              <a:shade val="50000"/>
+            </a:schemeClr>
+          </a:lnRef>
+          <a:fillRef idx="1">
+            <a:schemeClr val="accent1"/>
+          </a:fillRef>
+          <a:effectRef idx="0">
+            <a:schemeClr val="accent1"/>
+          </a:effectRef>
+          <a:fontRef idx="minor">
+            <a:schemeClr val="lt1"/>
+          </a:fontRef>
+        </p:style>
+        <p:txBody>
+          <a:bodyPr rtlCol="0" anchor="ctr"/>
+          <a:lstStyle/>
+          <a:p>
+            <a:pPr algn="ctr"/>
+            <a:r>
+              <a:rPr kumimoji="1" lang="en-US" altLang="zh-CN" dirty="0"/>
+              <a:t>b</a:t>
+            </a:r>
+            <a:endParaRPr kumimoji="1" lang="zh-CN" altLang="en-US" dirty="0"/>
+          </a:p>
+        </p:txBody>
+      </p:sp>
+      <p:sp>
+        <p:nvSpPr>
+          <p:cNvPr id="11" name="椭圆 10">
+            <a:extLst>
+              <a:ext uri="{FF2B5EF4-FFF2-40B4-BE49-F238E27FC236}">
+                <a16:creationId xmlns:a16="http://schemas.microsoft.com/office/drawing/2014/main" id="{19731F5E-081B-5A4B-A564-4ACDAD96330D}"/>
+              </a:ext>
+            </a:extLst>
+          </p:cNvPr>
+          <p:cNvSpPr/>
           <p:nvPr/>
         </p:nvSpPr>
         <p:spPr>
           <a:xfrm>
-            <a:off x="1610042" y="5337697"/>
-            <a:ext cx="6609588" cy="523220"/>
-          </a:xfrm>
-          <a:prstGeom prst="rect">
+            <a:off x="4346526" y="4068582"/>
+            <a:ext cx="531628" cy="531628"/>
+          </a:xfrm>
+          <a:prstGeom prst="ellipse">
             <a:avLst/>
           </a:prstGeom>
-          <a:noFill/>
-        </p:spPr>
-        <p:txBody>
-          <a:bodyPr wrap="square" rtlCol="0">
-            <a:spAutoFit/>
-          </a:bodyPr>
-          <a:lstStyle/>
-          <a:p>
-            <a:r>
-              <a:rPr kumimoji="1" lang="zh-CN" altLang="en-US" sz="2800" dirty="0">
-                <a:latin typeface="微软雅黑" panose="020B0503020204020204" pitchFamily="34" charset="-122"/>
-                <a:ea typeface="Microsoft YaHei" panose="020B0503020204020204" pitchFamily="34" charset="-122"/>
-              </a:rPr>
-              <a:t>排队</a:t>
-            </a:r>
-          </a:p>
-        </p:txBody>
-      </p:sp>
+        </p:spPr>
+        <p:style>
+          <a:lnRef idx="2">
+            <a:schemeClr val="accent1">
+              <a:shade val="50000"/>
+            </a:schemeClr>
+          </a:lnRef>
+          <a:fillRef idx="1">
+            <a:schemeClr val="accent1"/>
+          </a:fillRef>
+          <a:effectRef idx="0">
+            <a:schemeClr val="accent1"/>
+          </a:effectRef>
+          <a:fontRef idx="minor">
+            <a:schemeClr val="lt1"/>
+          </a:fontRef>
+        </p:style>
+        <p:txBody>
+          <a:bodyPr rtlCol="0" anchor="ctr"/>
+          <a:lstStyle/>
+          <a:p>
+            <a:pPr algn="ctr"/>
+            <a:r>
+              <a:rPr kumimoji="1" lang="en-US" altLang="zh-CN" dirty="0"/>
+              <a:t>a</a:t>
+            </a:r>
+            <a:endParaRPr kumimoji="1" lang="zh-CN" altLang="en-US" dirty="0"/>
+          </a:p>
+        </p:txBody>
+      </p:sp>
+      <p:sp>
+        <p:nvSpPr>
+          <p:cNvPr id="12" name="椭圆 11">
+            <a:extLst>
+              <a:ext uri="{FF2B5EF4-FFF2-40B4-BE49-F238E27FC236}">
+                <a16:creationId xmlns:a16="http://schemas.microsoft.com/office/drawing/2014/main" id="{4EF2C983-2D9E-074A-8FBA-6DC86C7BD245}"/>
+              </a:ext>
+            </a:extLst>
+          </p:cNvPr>
+          <p:cNvSpPr/>
+          <p:nvPr/>
+        </p:nvSpPr>
+        <p:spPr>
+          <a:xfrm>
+            <a:off x="7443094" y="3536954"/>
+            <a:ext cx="531628" cy="531628"/>
+          </a:xfrm>
+          <a:prstGeom prst="ellipse">
+            <a:avLst/>
+          </a:prstGeom>
+        </p:spPr>
+        <p:style>
+          <a:lnRef idx="2">
+            <a:schemeClr val="accent1">
+              <a:shade val="50000"/>
+            </a:schemeClr>
+          </a:lnRef>
+          <a:fillRef idx="1">
+            <a:schemeClr val="accent1"/>
+          </a:fillRef>
+          <a:effectRef idx="0">
+            <a:schemeClr val="accent1"/>
+          </a:effectRef>
+          <a:fontRef idx="minor">
+            <a:schemeClr val="lt1"/>
+          </a:fontRef>
+        </p:style>
+        <p:txBody>
+          <a:bodyPr rtlCol="0" anchor="ctr"/>
+          <a:lstStyle/>
+          <a:p>
+            <a:pPr algn="ctr"/>
+            <a:r>
+              <a:rPr kumimoji="1" lang="en-US" altLang="zh-CN" dirty="0"/>
+              <a:t>c</a:t>
+            </a:r>
+            <a:endParaRPr kumimoji="1" lang="zh-CN" altLang="en-US" dirty="0"/>
+          </a:p>
+        </p:txBody>
+      </p:sp>
+      <p:sp>
+        <p:nvSpPr>
+          <p:cNvPr id="13" name="椭圆 12">
+            <a:extLst>
+              <a:ext uri="{FF2B5EF4-FFF2-40B4-BE49-F238E27FC236}">
+                <a16:creationId xmlns:a16="http://schemas.microsoft.com/office/drawing/2014/main" id="{F8D5D8CD-7456-BC40-93C0-5042D265EE72}"/>
+              </a:ext>
+            </a:extLst>
+          </p:cNvPr>
+          <p:cNvSpPr/>
+          <p:nvPr/>
+        </p:nvSpPr>
+        <p:spPr>
+          <a:xfrm>
+            <a:off x="5399149" y="5158005"/>
+            <a:ext cx="531628" cy="531628"/>
+          </a:xfrm>
+          <a:prstGeom prst="ellipse">
+            <a:avLst/>
+          </a:prstGeom>
+        </p:spPr>
+        <p:style>
+          <a:lnRef idx="2">
+            <a:schemeClr val="accent1">
+              <a:shade val="50000"/>
+            </a:schemeClr>
+          </a:lnRef>
+          <a:fillRef idx="1">
+            <a:schemeClr val="accent1"/>
+          </a:fillRef>
+          <a:effectRef idx="0">
+            <a:schemeClr val="accent1"/>
+          </a:effectRef>
+          <a:fontRef idx="minor">
+            <a:schemeClr val="lt1"/>
+          </a:fontRef>
+        </p:style>
+        <p:txBody>
+          <a:bodyPr rtlCol="0" anchor="ctr"/>
+          <a:lstStyle/>
+          <a:p>
+            <a:pPr algn="ctr"/>
+            <a:r>
+              <a:rPr kumimoji="1" lang="en-US" altLang="zh-CN" dirty="0"/>
+              <a:t>d</a:t>
+            </a:r>
+            <a:endParaRPr kumimoji="1" lang="zh-CN" altLang="en-US" dirty="0"/>
+          </a:p>
+        </p:txBody>
+      </p:sp>
+      <p:sp>
+        <p:nvSpPr>
+          <p:cNvPr id="14" name="椭圆 13">
+            <a:extLst>
+              <a:ext uri="{FF2B5EF4-FFF2-40B4-BE49-F238E27FC236}">
+                <a16:creationId xmlns:a16="http://schemas.microsoft.com/office/drawing/2014/main" id="{3A7933A4-658A-F74C-AD7F-53E4404ECBAD}"/>
+              </a:ext>
+            </a:extLst>
+          </p:cNvPr>
+          <p:cNvSpPr/>
+          <p:nvPr/>
+        </p:nvSpPr>
+        <p:spPr>
+          <a:xfrm>
+            <a:off x="4824990" y="5980709"/>
+            <a:ext cx="531628" cy="531628"/>
+          </a:xfrm>
+          <a:prstGeom prst="ellipse">
+            <a:avLst/>
+          </a:prstGeom>
+        </p:spPr>
+        <p:style>
+          <a:lnRef idx="2">
+            <a:schemeClr val="accent1">
+              <a:shade val="50000"/>
+            </a:schemeClr>
+          </a:lnRef>
+          <a:fillRef idx="1">
+            <a:schemeClr val="accent1"/>
+          </a:fillRef>
+          <a:effectRef idx="0">
+            <a:schemeClr val="accent1"/>
+          </a:effectRef>
+          <a:fontRef idx="minor">
+            <a:schemeClr val="lt1"/>
+          </a:fontRef>
+        </p:style>
+        <p:txBody>
+          <a:bodyPr rtlCol="0" anchor="ctr"/>
+          <a:lstStyle/>
+          <a:p>
+            <a:pPr algn="ctr"/>
+            <a:r>
+              <a:rPr kumimoji="1" lang="en-US" altLang="zh-CN" dirty="0"/>
+              <a:t>f</a:t>
+            </a:r>
+            <a:endParaRPr kumimoji="1" lang="zh-CN" altLang="en-US" dirty="0"/>
+          </a:p>
+        </p:txBody>
+      </p:sp>
+      <p:sp>
+        <p:nvSpPr>
+          <p:cNvPr id="15" name="椭圆 14">
+            <a:extLst>
+              <a:ext uri="{FF2B5EF4-FFF2-40B4-BE49-F238E27FC236}">
+                <a16:creationId xmlns:a16="http://schemas.microsoft.com/office/drawing/2014/main" id="{1BAE2273-E95C-9B45-88BE-7CD08D69EA76}"/>
+              </a:ext>
+            </a:extLst>
+          </p:cNvPr>
+          <p:cNvSpPr/>
+          <p:nvPr/>
+        </p:nvSpPr>
+        <p:spPr>
+          <a:xfrm>
+            <a:off x="6521608" y="6198676"/>
+            <a:ext cx="531628" cy="531628"/>
+          </a:xfrm>
+          <a:prstGeom prst="ellipse">
+            <a:avLst/>
+          </a:prstGeom>
+        </p:spPr>
+        <p:style>
+          <a:lnRef idx="2">
+            <a:schemeClr val="accent1">
+              <a:shade val="50000"/>
+            </a:schemeClr>
+          </a:lnRef>
+          <a:fillRef idx="1">
+            <a:schemeClr val="accent1"/>
+          </a:fillRef>
+          <a:effectRef idx="0">
+            <a:schemeClr val="accent1"/>
+          </a:effectRef>
+          <a:fontRef idx="minor">
+            <a:schemeClr val="lt1"/>
+          </a:fontRef>
+        </p:style>
+        <p:txBody>
+          <a:bodyPr rtlCol="0" anchor="ctr"/>
+          <a:lstStyle/>
+          <a:p>
+            <a:pPr algn="ctr"/>
+            <a:r>
+              <a:rPr kumimoji="1" lang="en-US" altLang="zh-CN" dirty="0"/>
+              <a:t>g</a:t>
+            </a:r>
+            <a:endParaRPr kumimoji="1" lang="zh-CN" altLang="en-US" dirty="0"/>
+          </a:p>
+        </p:txBody>
+      </p:sp>
+      <p:sp>
+        <p:nvSpPr>
+          <p:cNvPr id="16" name="椭圆 15">
+            <a:extLst>
+              <a:ext uri="{FF2B5EF4-FFF2-40B4-BE49-F238E27FC236}">
+                <a16:creationId xmlns:a16="http://schemas.microsoft.com/office/drawing/2014/main" id="{22B3D4B7-E963-AC48-9192-DC019EB5F516}"/>
+              </a:ext>
+            </a:extLst>
+          </p:cNvPr>
+          <p:cNvSpPr/>
+          <p:nvPr/>
+        </p:nvSpPr>
+        <p:spPr>
+          <a:xfrm>
+            <a:off x="7033414" y="5050323"/>
+            <a:ext cx="531628" cy="531628"/>
+          </a:xfrm>
+          <a:prstGeom prst="ellipse">
+            <a:avLst/>
+          </a:prstGeom>
+        </p:spPr>
+        <p:style>
+          <a:lnRef idx="2">
+            <a:schemeClr val="accent1">
+              <a:shade val="50000"/>
+            </a:schemeClr>
+          </a:lnRef>
+          <a:fillRef idx="1">
+            <a:schemeClr val="accent1"/>
+          </a:fillRef>
+          <a:effectRef idx="0">
+            <a:schemeClr val="accent1"/>
+          </a:effectRef>
+          <a:fontRef idx="minor">
+            <a:schemeClr val="lt1"/>
+          </a:fontRef>
+        </p:style>
+        <p:txBody>
+          <a:bodyPr rtlCol="0" anchor="ctr"/>
+          <a:lstStyle/>
+          <a:p>
+            <a:pPr algn="ctr"/>
+            <a:r>
+              <a:rPr kumimoji="1" lang="en-US" altLang="zh-CN" dirty="0"/>
+              <a:t>e</a:t>
+            </a:r>
+            <a:endParaRPr kumimoji="1" lang="zh-CN" altLang="en-US" dirty="0"/>
+          </a:p>
+        </p:txBody>
+      </p:sp>
+      <p:cxnSp>
+        <p:nvCxnSpPr>
+          <p:cNvPr id="17" name="直线连接符 16">
+            <a:extLst>
+              <a:ext uri="{FF2B5EF4-FFF2-40B4-BE49-F238E27FC236}">
+                <a16:creationId xmlns:a16="http://schemas.microsoft.com/office/drawing/2014/main" id="{76EFAB00-1623-9841-98FA-619F30EA9447}"/>
+              </a:ext>
+            </a:extLst>
+          </p:cNvPr>
+          <p:cNvCxnSpPr>
+            <a:stCxn id="11" idx="6"/>
+            <a:endCxn id="10" idx="2"/>
+          </p:cNvCxnSpPr>
+          <p:nvPr/>
+        </p:nvCxnSpPr>
+        <p:spPr>
+          <a:xfrm flipV="1">
+            <a:off x="4878154" y="4185541"/>
+            <a:ext cx="861239" cy="148855"/>
+          </a:xfrm>
+          <a:prstGeom prst="line">
+            <a:avLst/>
+          </a:prstGeom>
+        </p:spPr>
+        <p:style>
+          <a:lnRef idx="1">
+            <a:schemeClr val="accent1"/>
+          </a:lnRef>
+          <a:fillRef idx="0">
+            <a:schemeClr val="accent1"/>
+          </a:fillRef>
+          <a:effectRef idx="0">
+            <a:schemeClr val="accent1"/>
+          </a:effectRef>
+          <a:fontRef idx="minor">
+            <a:schemeClr val="tx1"/>
+          </a:fontRef>
+        </p:style>
+      </p:cxnSp>
+      <p:cxnSp>
+        <p:nvCxnSpPr>
+          <p:cNvPr id="18" name="直线连接符 17">
+            <a:extLst>
+              <a:ext uri="{FF2B5EF4-FFF2-40B4-BE49-F238E27FC236}">
+                <a16:creationId xmlns:a16="http://schemas.microsoft.com/office/drawing/2014/main" id="{5A03F53F-4A3F-E040-9628-946EF4BCDF49}"/>
+              </a:ext>
+            </a:extLst>
+          </p:cNvPr>
+          <p:cNvCxnSpPr>
+            <a:stCxn id="10" idx="6"/>
+            <a:endCxn id="12" idx="3"/>
+          </p:cNvCxnSpPr>
+          <p:nvPr/>
+        </p:nvCxnSpPr>
+        <p:spPr>
+          <a:xfrm flipV="1">
+            <a:off x="6271021" y="3990727"/>
+            <a:ext cx="1249928" cy="194814"/>
+          </a:xfrm>
+          <a:prstGeom prst="line">
+            <a:avLst/>
+          </a:prstGeom>
+        </p:spPr>
+        <p:style>
+          <a:lnRef idx="1">
+            <a:schemeClr val="accent1"/>
+          </a:lnRef>
+          <a:fillRef idx="0">
+            <a:schemeClr val="accent1"/>
+          </a:fillRef>
+          <a:effectRef idx="0">
+            <a:schemeClr val="accent1"/>
+          </a:effectRef>
+          <a:fontRef idx="minor">
+            <a:schemeClr val="tx1"/>
+          </a:fontRef>
+        </p:style>
+      </p:cxnSp>
+      <p:cxnSp>
+        <p:nvCxnSpPr>
+          <p:cNvPr id="19" name="直线连接符 18">
+            <a:extLst>
+              <a:ext uri="{FF2B5EF4-FFF2-40B4-BE49-F238E27FC236}">
+                <a16:creationId xmlns:a16="http://schemas.microsoft.com/office/drawing/2014/main" id="{8A6A566C-ABF3-0642-B667-62964BF498A1}"/>
+              </a:ext>
+            </a:extLst>
+          </p:cNvPr>
+          <p:cNvCxnSpPr>
+            <a:stCxn id="12" idx="4"/>
+            <a:endCxn id="16" idx="0"/>
+          </p:cNvCxnSpPr>
+          <p:nvPr/>
+        </p:nvCxnSpPr>
+        <p:spPr>
+          <a:xfrm flipH="1">
+            <a:off x="7299228" y="4068582"/>
+            <a:ext cx="409680" cy="981741"/>
+          </a:xfrm>
+          <a:prstGeom prst="line">
+            <a:avLst/>
+          </a:prstGeom>
+        </p:spPr>
+        <p:style>
+          <a:lnRef idx="1">
+            <a:schemeClr val="accent1"/>
+          </a:lnRef>
+          <a:fillRef idx="0">
+            <a:schemeClr val="accent1"/>
+          </a:fillRef>
+          <a:effectRef idx="0">
+            <a:schemeClr val="accent1"/>
+          </a:effectRef>
+          <a:fontRef idx="minor">
+            <a:schemeClr val="tx1"/>
+          </a:fontRef>
+        </p:style>
+      </p:cxnSp>
+      <p:cxnSp>
+        <p:nvCxnSpPr>
+          <p:cNvPr id="20" name="直线连接符 19">
+            <a:extLst>
+              <a:ext uri="{FF2B5EF4-FFF2-40B4-BE49-F238E27FC236}">
+                <a16:creationId xmlns:a16="http://schemas.microsoft.com/office/drawing/2014/main" id="{2C0E20C1-4443-E140-A291-D9C9F4B9ABAC}"/>
+              </a:ext>
+            </a:extLst>
+          </p:cNvPr>
+          <p:cNvCxnSpPr>
+            <a:stCxn id="11" idx="5"/>
+          </p:cNvCxnSpPr>
+          <p:nvPr/>
+        </p:nvCxnSpPr>
+        <p:spPr>
+          <a:xfrm>
+            <a:off x="4800299" y="4522355"/>
+            <a:ext cx="864664" cy="793782"/>
+          </a:xfrm>
+          <a:prstGeom prst="line">
+            <a:avLst/>
+          </a:prstGeom>
+        </p:spPr>
+        <p:style>
+          <a:lnRef idx="1">
+            <a:schemeClr val="accent1"/>
+          </a:lnRef>
+          <a:fillRef idx="0">
+            <a:schemeClr val="accent1"/>
+          </a:fillRef>
+          <a:effectRef idx="0">
+            <a:schemeClr val="accent1"/>
+          </a:effectRef>
+          <a:fontRef idx="minor">
+            <a:schemeClr val="tx1"/>
+          </a:fontRef>
+        </p:style>
+      </p:cxnSp>
+      <p:cxnSp>
+        <p:nvCxnSpPr>
+          <p:cNvPr id="21" name="直线连接符 20">
+            <a:extLst>
+              <a:ext uri="{FF2B5EF4-FFF2-40B4-BE49-F238E27FC236}">
+                <a16:creationId xmlns:a16="http://schemas.microsoft.com/office/drawing/2014/main" id="{B2F2AF3B-F1A4-1A4B-A094-2781D926F563}"/>
+              </a:ext>
+            </a:extLst>
+          </p:cNvPr>
+          <p:cNvCxnSpPr>
+            <a:stCxn id="10" idx="4"/>
+            <a:endCxn id="13" idx="0"/>
+          </p:cNvCxnSpPr>
+          <p:nvPr/>
+        </p:nvCxnSpPr>
+        <p:spPr>
+          <a:xfrm flipH="1">
+            <a:off x="5664963" y="4451355"/>
+            <a:ext cx="340244" cy="706650"/>
+          </a:xfrm>
+          <a:prstGeom prst="line">
+            <a:avLst/>
+          </a:prstGeom>
+        </p:spPr>
+        <p:style>
+          <a:lnRef idx="1">
+            <a:schemeClr val="accent1"/>
+          </a:lnRef>
+          <a:fillRef idx="0">
+            <a:schemeClr val="accent1"/>
+          </a:fillRef>
+          <a:effectRef idx="0">
+            <a:schemeClr val="accent1"/>
+          </a:effectRef>
+          <a:fontRef idx="minor">
+            <a:schemeClr val="tx1"/>
+          </a:fontRef>
+        </p:style>
+      </p:cxnSp>
+      <p:cxnSp>
+        <p:nvCxnSpPr>
+          <p:cNvPr id="22" name="直线连接符 21">
+            <a:extLst>
+              <a:ext uri="{FF2B5EF4-FFF2-40B4-BE49-F238E27FC236}">
+                <a16:creationId xmlns:a16="http://schemas.microsoft.com/office/drawing/2014/main" id="{69CF08A1-D7D1-FF40-A5B5-C2FDB1C2FB90}"/>
+              </a:ext>
+            </a:extLst>
+          </p:cNvPr>
+          <p:cNvCxnSpPr>
+            <a:stCxn id="10" idx="4"/>
+            <a:endCxn id="16" idx="1"/>
+          </p:cNvCxnSpPr>
+          <p:nvPr/>
+        </p:nvCxnSpPr>
+        <p:spPr>
+          <a:xfrm>
+            <a:off x="6005207" y="4451355"/>
+            <a:ext cx="1106062" cy="676823"/>
+          </a:xfrm>
+          <a:prstGeom prst="line">
+            <a:avLst/>
+          </a:prstGeom>
+        </p:spPr>
+        <p:style>
+          <a:lnRef idx="1">
+            <a:schemeClr val="accent1"/>
+          </a:lnRef>
+          <a:fillRef idx="0">
+            <a:schemeClr val="accent1"/>
+          </a:fillRef>
+          <a:effectRef idx="0">
+            <a:schemeClr val="accent1"/>
+          </a:effectRef>
+          <a:fontRef idx="minor">
+            <a:schemeClr val="tx1"/>
+          </a:fontRef>
+        </p:style>
+      </p:cxnSp>
+      <p:cxnSp>
+        <p:nvCxnSpPr>
+          <p:cNvPr id="23" name="直线连接符 22">
+            <a:extLst>
+              <a:ext uri="{FF2B5EF4-FFF2-40B4-BE49-F238E27FC236}">
+                <a16:creationId xmlns:a16="http://schemas.microsoft.com/office/drawing/2014/main" id="{9634919B-D387-9943-BFD5-62AAF76F8707}"/>
+              </a:ext>
+            </a:extLst>
+          </p:cNvPr>
+          <p:cNvCxnSpPr>
+            <a:stCxn id="13" idx="6"/>
+          </p:cNvCxnSpPr>
+          <p:nvPr/>
+        </p:nvCxnSpPr>
+        <p:spPr>
+          <a:xfrm flipV="1">
+            <a:off x="5930777" y="5199178"/>
+            <a:ext cx="1102637" cy="224641"/>
+          </a:xfrm>
+          <a:prstGeom prst="line">
+            <a:avLst/>
+          </a:prstGeom>
+        </p:spPr>
+        <p:style>
+          <a:lnRef idx="1">
+            <a:schemeClr val="accent1"/>
+          </a:lnRef>
+          <a:fillRef idx="0">
+            <a:schemeClr val="accent1"/>
+          </a:fillRef>
+          <a:effectRef idx="0">
+            <a:schemeClr val="accent1"/>
+          </a:effectRef>
+          <a:fontRef idx="minor">
+            <a:schemeClr val="tx1"/>
+          </a:fontRef>
+        </p:style>
+      </p:cxnSp>
+      <p:cxnSp>
+        <p:nvCxnSpPr>
+          <p:cNvPr id="24" name="直线连接符 23">
+            <a:extLst>
+              <a:ext uri="{FF2B5EF4-FFF2-40B4-BE49-F238E27FC236}">
+                <a16:creationId xmlns:a16="http://schemas.microsoft.com/office/drawing/2014/main" id="{ADE94ECE-C849-BA44-AB05-36DF0123CBF2}"/>
+              </a:ext>
+            </a:extLst>
+          </p:cNvPr>
+          <p:cNvCxnSpPr>
+            <a:stCxn id="11" idx="4"/>
+            <a:endCxn id="14" idx="1"/>
+          </p:cNvCxnSpPr>
+          <p:nvPr/>
+        </p:nvCxnSpPr>
+        <p:spPr>
+          <a:xfrm>
+            <a:off x="4612340" y="4600210"/>
+            <a:ext cx="290505" cy="1458354"/>
+          </a:xfrm>
+          <a:prstGeom prst="line">
+            <a:avLst/>
+          </a:prstGeom>
+        </p:spPr>
+        <p:style>
+          <a:lnRef idx="1">
+            <a:schemeClr val="accent1"/>
+          </a:lnRef>
+          <a:fillRef idx="0">
+            <a:schemeClr val="accent1"/>
+          </a:fillRef>
+          <a:effectRef idx="0">
+            <a:schemeClr val="accent1"/>
+          </a:effectRef>
+          <a:fontRef idx="minor">
+            <a:schemeClr val="tx1"/>
+          </a:fontRef>
+        </p:style>
+      </p:cxnSp>
+      <p:cxnSp>
+        <p:nvCxnSpPr>
+          <p:cNvPr id="25" name="直线连接符 24">
+            <a:extLst>
+              <a:ext uri="{FF2B5EF4-FFF2-40B4-BE49-F238E27FC236}">
+                <a16:creationId xmlns:a16="http://schemas.microsoft.com/office/drawing/2014/main" id="{0FA6EB26-A9F8-D145-A5FB-A4761AC59BB0}"/>
+              </a:ext>
+            </a:extLst>
+          </p:cNvPr>
+          <p:cNvCxnSpPr>
+            <a:stCxn id="14" idx="6"/>
+            <a:endCxn id="15" idx="2"/>
+          </p:cNvCxnSpPr>
+          <p:nvPr/>
+        </p:nvCxnSpPr>
+        <p:spPr>
+          <a:xfrm>
+            <a:off x="5356618" y="6246523"/>
+            <a:ext cx="1164990" cy="217967"/>
+          </a:xfrm>
+          <a:prstGeom prst="line">
+            <a:avLst/>
+          </a:prstGeom>
+        </p:spPr>
+        <p:style>
+          <a:lnRef idx="1">
+            <a:schemeClr val="accent1"/>
+          </a:lnRef>
+          <a:fillRef idx="0">
+            <a:schemeClr val="accent1"/>
+          </a:fillRef>
+          <a:effectRef idx="0">
+            <a:schemeClr val="accent1"/>
+          </a:effectRef>
+          <a:fontRef idx="minor">
+            <a:schemeClr val="tx1"/>
+          </a:fontRef>
+        </p:style>
+      </p:cxnSp>
+      <p:cxnSp>
+        <p:nvCxnSpPr>
+          <p:cNvPr id="26" name="直线连接符 25">
+            <a:extLst>
+              <a:ext uri="{FF2B5EF4-FFF2-40B4-BE49-F238E27FC236}">
+                <a16:creationId xmlns:a16="http://schemas.microsoft.com/office/drawing/2014/main" id="{D71A165D-6E41-FB48-A18B-1E7EC7E16706}"/>
+              </a:ext>
+            </a:extLst>
+          </p:cNvPr>
+          <p:cNvCxnSpPr>
+            <a:stCxn id="16" idx="4"/>
+            <a:endCxn id="15" idx="7"/>
+          </p:cNvCxnSpPr>
+          <p:nvPr/>
+        </p:nvCxnSpPr>
+        <p:spPr>
+          <a:xfrm flipH="1">
+            <a:off x="6975381" y="5581951"/>
+            <a:ext cx="323847" cy="694580"/>
+          </a:xfrm>
+          <a:prstGeom prst="line">
+            <a:avLst/>
+          </a:prstGeom>
+        </p:spPr>
+        <p:style>
+          <a:lnRef idx="1">
+            <a:schemeClr val="accent1"/>
+          </a:lnRef>
+          <a:fillRef idx="0">
+            <a:schemeClr val="accent1"/>
+          </a:fillRef>
+          <a:effectRef idx="0">
+            <a:schemeClr val="accent1"/>
+          </a:effectRef>
+          <a:fontRef idx="minor">
+            <a:schemeClr val="tx1"/>
+          </a:fontRef>
+        </p:style>
+      </p:cxnSp>
+      <p:cxnSp>
+        <p:nvCxnSpPr>
+          <p:cNvPr id="27" name="直线连接符 26">
+            <a:extLst>
+              <a:ext uri="{FF2B5EF4-FFF2-40B4-BE49-F238E27FC236}">
+                <a16:creationId xmlns:a16="http://schemas.microsoft.com/office/drawing/2014/main" id="{F888FBE8-C817-8449-8B85-A66557A4EB7D}"/>
+              </a:ext>
+            </a:extLst>
+          </p:cNvPr>
+          <p:cNvCxnSpPr>
+            <a:stCxn id="13" idx="5"/>
+            <a:endCxn id="15" idx="1"/>
+          </p:cNvCxnSpPr>
+          <p:nvPr/>
+        </p:nvCxnSpPr>
+        <p:spPr>
+          <a:xfrm>
+            <a:off x="5852922" y="5611778"/>
+            <a:ext cx="746541" cy="664753"/>
+          </a:xfrm>
+          <a:prstGeom prst="line">
+            <a:avLst/>
+          </a:prstGeom>
+        </p:spPr>
+        <p:style>
+          <a:lnRef idx="1">
+            <a:schemeClr val="accent1"/>
+          </a:lnRef>
+          <a:fillRef idx="0">
+            <a:schemeClr val="accent1"/>
+          </a:fillRef>
+          <a:effectRef idx="0">
+            <a:schemeClr val="accent1"/>
+          </a:effectRef>
+          <a:fontRef idx="minor">
+            <a:schemeClr val="tx1"/>
+          </a:fontRef>
+        </p:style>
+      </p:cxnSp>
     </p:spTree>
     <p:extLst>
       <p:ext uri="{BB962C8B-B14F-4D97-AF65-F5344CB8AC3E}">
@@ -4915,8 +5803,8 @@
         </p:nvSpPr>
         <p:spPr>
           <a:xfrm>
-            <a:off x="2054352" y="630545"/>
-            <a:ext cx="8083296" cy="830997"/>
+            <a:off x="2054352" y="602673"/>
+            <a:ext cx="9188612" cy="830997"/>
           </a:xfrm>
           <a:prstGeom prst="rect">
             <a:avLst/>
@@ -4931,18 +5819,11 @@
           <a:p>
             <a:pPr algn="ctr"/>
             <a:r>
-              <a:rPr kumimoji="1" lang="en-US" altLang="zh-CN" sz="4800" dirty="0">
-                <a:latin typeface="Microsoft YaHei" panose="020B0503020204020204" pitchFamily="34" charset="-122"/>
-                <a:ea typeface="Microsoft YaHei" panose="020B0503020204020204" pitchFamily="34" charset="-122"/>
-              </a:rPr>
-              <a:t>2.</a:t>
-            </a:r>
-            <a:r>
               <a:rPr kumimoji="1" lang="zh-CN" altLang="en-US" sz="4800" dirty="0">
                 <a:latin typeface="Microsoft YaHei" panose="020B0503020204020204" pitchFamily="34" charset="-122"/>
                 <a:ea typeface="Microsoft YaHei" panose="020B0503020204020204" pitchFamily="34" charset="-122"/>
               </a:rPr>
-              <a:t>图的抽象数据类型</a:t>
+              <a:t>图的不同之处</a:t>
             </a:r>
           </a:p>
         </p:txBody>
@@ -4961,8 +5842,8 @@
         </p:nvSpPr>
         <p:spPr>
           <a:xfrm>
-            <a:off x="1610042" y="2575710"/>
-            <a:ext cx="6609588" cy="954107"/>
+            <a:off x="1610042" y="2618509"/>
+            <a:ext cx="10235594" cy="2246769"/>
           </a:xfrm>
           <a:prstGeom prst="rect">
             <a:avLst/>
@@ -4975,159 +5856,124 @@
           </a:bodyPr>
           <a:lstStyle/>
           <a:p>
+            <a:pPr marL="457200" indent="-457200">
+              <a:buFont typeface="Arial" panose="020B0604020202020204" pitchFamily="34" charset="0"/>
+              <a:buChar char="•"/>
+            </a:pPr>
             <a:r>
               <a:rPr kumimoji="1" lang="zh-CN" altLang="en-US" sz="2800" dirty="0">
-                <a:latin typeface="Microsoft YaHei" panose="020B0503020204020204" pitchFamily="34" charset="-122"/>
+                <a:latin typeface="微软雅黑" panose="020B0503020204020204" pitchFamily="34" charset="-122"/>
                 <a:ea typeface="Microsoft YaHei" panose="020B0503020204020204" pitchFamily="34" charset="-122"/>
               </a:rPr>
-              <a:t>用一段地址连续的存储单元依次存储线性表的数据元素</a:t>
-            </a:r>
-            <a:endParaRPr kumimoji="1" lang="zh-CN" altLang="en-US" sz="2800" dirty="0">
+              <a:t>单链表实现的 线性表，树等数据结构中，我们称数据元素为结点</a:t>
+            </a:r>
+            <a:r>
+              <a:rPr kumimoji="1" lang="en-US" altLang="zh-CN" sz="2800" dirty="0">
+                <a:latin typeface="微软雅黑" panose="020B0503020204020204" pitchFamily="34" charset="-122"/>
+                <a:ea typeface="Microsoft YaHei" panose="020B0503020204020204" pitchFamily="34" charset="-122"/>
+              </a:rPr>
+              <a:t>(Node)</a:t>
+            </a:r>
+            <a:r>
+              <a:rPr kumimoji="1" lang="zh-CN" altLang="en-US" sz="2800" dirty="0">
+                <a:latin typeface="微软雅黑" panose="020B0503020204020204" pitchFamily="34" charset="-122"/>
+                <a:ea typeface="Microsoft YaHei" panose="020B0503020204020204" pitchFamily="34" charset="-122"/>
+              </a:rPr>
+              <a:t>，在图中称为顶点</a:t>
+            </a:r>
+            <a:r>
+              <a:rPr kumimoji="1" lang="en-US" altLang="zh-CN" sz="2800" dirty="0">
+                <a:latin typeface="微软雅黑" panose="020B0503020204020204" pitchFamily="34" charset="-122"/>
+                <a:ea typeface="Microsoft YaHei" panose="020B0503020204020204" pitchFamily="34" charset="-122"/>
+              </a:rPr>
+              <a:t>(Vertex)</a:t>
+            </a:r>
+          </a:p>
+          <a:p>
+            <a:pPr marL="457200" indent="-457200">
+              <a:buFont typeface="Arial" panose="020B0604020202020204" pitchFamily="34" charset="0"/>
+              <a:buChar char="•"/>
+            </a:pPr>
+            <a:r>
+              <a:rPr kumimoji="1" lang="zh-CN" altLang="en-US" sz="2800" dirty="0">
+                <a:latin typeface="微软雅黑" panose="020B0503020204020204" pitchFamily="34" charset="-122"/>
+                <a:ea typeface="Microsoft YaHei" panose="020B0503020204020204" pitchFamily="34" charset="-122"/>
+              </a:rPr>
+              <a:t>图中不允许没有顶点，但线性表，树等可以是空的。</a:t>
+            </a:r>
+            <a:endParaRPr kumimoji="1" lang="en-US" altLang="zh-CN" sz="2800" dirty="0">
               <a:latin typeface="微软雅黑" panose="020B0503020204020204" pitchFamily="34" charset="-122"/>
               <a:ea typeface="Microsoft YaHei" panose="020B0503020204020204" pitchFamily="34" charset="-122"/>
             </a:endParaRPr>
           </a:p>
-        </p:txBody>
-      </p:sp>
-      <p:sp>
-        <p:nvSpPr>
-          <p:cNvPr id="9" name="文本框 8">
-            <a:extLst>
-              <a:ext uri="{FF2B5EF4-FFF2-40B4-BE49-F238E27FC236}">
-                <a16:creationId xmlns:a16="http://schemas.microsoft.com/office/drawing/2014/main" id="{ED9B93DC-5880-9D4B-AD03-2A9ADCF8E4D4}"/>
-              </a:ext>
-            </a:extLst>
-          </p:cNvPr>
-          <p:cNvSpPr txBox="1"/>
-          <p:nvPr/>
-        </p:nvSpPr>
-        <p:spPr>
-          <a:xfrm>
-            <a:off x="540000" y="1800000"/>
-            <a:ext cx="1070042" cy="542675"/>
-          </a:xfrm>
-          <a:prstGeom prst="rect">
-            <a:avLst/>
-          </a:prstGeom>
-          <a:solidFill>
-            <a:schemeClr val="accent2"/>
-          </a:solidFill>
-        </p:spPr>
-        <p:txBody>
-          <a:bodyPr wrap="square" rtlCol="0">
-            <a:spAutoFit/>
-          </a:bodyPr>
-          <a:lstStyle/>
-          <a:p>
+          <a:p>
+            <a:pPr marL="457200" indent="-457200">
+              <a:buFont typeface="Arial" panose="020B0604020202020204" pitchFamily="34" charset="0"/>
+              <a:buChar char="•"/>
+            </a:pPr>
             <a:r>
               <a:rPr kumimoji="1" lang="zh-CN" altLang="en-US" sz="2800" dirty="0">
-                <a:solidFill>
-                  <a:schemeClr val="bg1"/>
-                </a:solidFill>
-                <a:latin typeface="Microsoft YaHei" panose="020B0503020204020204" pitchFamily="34" charset="-122"/>
+                <a:latin typeface="微软雅黑" panose="020B0503020204020204" pitchFamily="34" charset="-122"/>
                 <a:ea typeface="Microsoft YaHei" panose="020B0503020204020204" pitchFamily="34" charset="-122"/>
               </a:rPr>
-              <a:t>定义</a:t>
-            </a:r>
-          </a:p>
-        </p:txBody>
-      </p:sp>
-      <p:sp>
-        <p:nvSpPr>
-          <p:cNvPr id="10" name="文本框 9">
-            <a:extLst>
-              <a:ext uri="{FF2B5EF4-FFF2-40B4-BE49-F238E27FC236}">
-                <a16:creationId xmlns:a16="http://schemas.microsoft.com/office/drawing/2014/main" id="{5732DAF2-E38B-774A-9902-B765D16F0ED3}"/>
-              </a:ext>
-            </a:extLst>
-          </p:cNvPr>
-          <p:cNvSpPr txBox="1"/>
-          <p:nvPr/>
-        </p:nvSpPr>
-        <p:spPr>
-          <a:xfrm>
-            <a:off x="540000" y="3960000"/>
-            <a:ext cx="1070042" cy="542675"/>
-          </a:xfrm>
-          <a:prstGeom prst="rect">
-            <a:avLst/>
-          </a:prstGeom>
-          <a:solidFill>
-            <a:schemeClr val="accent2"/>
-          </a:solidFill>
-        </p:spPr>
-        <p:txBody>
-          <a:bodyPr wrap="square" rtlCol="0">
-            <a:spAutoFit/>
-          </a:bodyPr>
-          <a:lstStyle/>
-          <a:p>
-            <a:r>
-              <a:rPr kumimoji="1" lang="zh-CN" altLang="en-US" sz="2800" dirty="0">
-                <a:solidFill>
-                  <a:schemeClr val="bg1"/>
-                </a:solidFill>
-                <a:latin typeface="Microsoft YaHei" panose="020B0503020204020204" pitchFamily="34" charset="-122"/>
+              <a:t>图中任意</a:t>
+            </a:r>
+            <a:r>
+              <a:rPr kumimoji="1" lang="en-US" altLang="zh-CN" sz="2800" dirty="0">
+                <a:latin typeface="微软雅黑" panose="020B0503020204020204" pitchFamily="34" charset="-122"/>
                 <a:ea typeface="Microsoft YaHei" panose="020B0503020204020204" pitchFamily="34" charset="-122"/>
               </a:rPr>
-              <a:t>例子</a:t>
-            </a:r>
-          </a:p>
-        </p:txBody>
-      </p:sp>
-      <p:sp>
-        <p:nvSpPr>
-          <p:cNvPr id="11" name="文本框 10">
-            <a:extLst>
-              <a:ext uri="{FF2B5EF4-FFF2-40B4-BE49-F238E27FC236}">
-                <a16:creationId xmlns:a16="http://schemas.microsoft.com/office/drawing/2014/main" id="{EEAB9724-EED2-8C47-965D-0BB8BCC390D8}"/>
-              </a:ext>
-            </a:extLst>
-          </p:cNvPr>
-          <p:cNvSpPr txBox="1"/>
-          <p:nvPr/>
-        </p:nvSpPr>
-        <p:spPr>
-          <a:xfrm>
-            <a:off x="1610042" y="4932858"/>
-            <a:ext cx="6609588" cy="523220"/>
-          </a:xfrm>
-          <a:prstGeom prst="rect">
-            <a:avLst/>
-          </a:prstGeom>
-          <a:noFill/>
-        </p:spPr>
-        <p:txBody>
-          <a:bodyPr wrap="square" rtlCol="0">
-            <a:spAutoFit/>
-          </a:bodyPr>
-          <a:lstStyle/>
-          <a:p>
+              <a:t>2</a:t>
+            </a:r>
             <a:r>
               <a:rPr kumimoji="1" lang="zh-CN" altLang="en-US" sz="2800" dirty="0">
-                <a:latin typeface="Microsoft YaHei" panose="020B0503020204020204" pitchFamily="34" charset="-122"/>
+                <a:latin typeface="微软雅黑" panose="020B0503020204020204" pitchFamily="34" charset="-122"/>
                 <a:ea typeface="Microsoft YaHei" panose="020B0503020204020204" pitchFamily="34" charset="-122"/>
               </a:rPr>
-              <a:t>宿舍</a:t>
+              <a:t>个结点都可能存在“关系”，这个关系用</a:t>
             </a:r>
             <a:r>
               <a:rPr kumimoji="1" lang="en-US" altLang="zh-CN" sz="2800" dirty="0">
-                <a:latin typeface="Microsoft YaHei" panose="020B0503020204020204" pitchFamily="34" charset="-122"/>
+                <a:latin typeface="微软雅黑" panose="020B0503020204020204" pitchFamily="34" charset="-122"/>
                 <a:ea typeface="Microsoft YaHei" panose="020B0503020204020204" pitchFamily="34" charset="-122"/>
               </a:rPr>
-              <a:t>/</a:t>
+              <a:t>2</a:t>
             </a:r>
             <a:r>
               <a:rPr kumimoji="1" lang="zh-CN" altLang="en-US" sz="2800" dirty="0">
-                <a:latin typeface="Microsoft YaHei" panose="020B0503020204020204" pitchFamily="34" charset="-122"/>
+                <a:latin typeface="微软雅黑" panose="020B0503020204020204" pitchFamily="34" charset="-122"/>
                 <a:ea typeface="Microsoft YaHei" panose="020B0503020204020204" pitchFamily="34" charset="-122"/>
               </a:rPr>
-              <a:t>教室 分布</a:t>
-            </a:r>
-            <a:endParaRPr kumimoji="1" lang="zh-CN" altLang="en-US" sz="2800" dirty="0">
-              <a:latin typeface="微软雅黑" panose="020B0503020204020204" pitchFamily="34" charset="-122"/>
-              <a:ea typeface="Microsoft YaHei" panose="020B0503020204020204" pitchFamily="34" charset="-122"/>
-            </a:endParaRPr>
+              <a:t>顶点间的连线</a:t>
+            </a:r>
+            <a:r>
+              <a:rPr kumimoji="1" lang="en-US" altLang="zh-CN" sz="2800" dirty="0">
+                <a:latin typeface="微软雅黑" panose="020B0503020204020204" pitchFamily="34" charset="-122"/>
+                <a:ea typeface="Microsoft YaHei" panose="020B0503020204020204" pitchFamily="34" charset="-122"/>
+              </a:rPr>
+              <a:t>(</a:t>
+            </a:r>
+            <a:r>
+              <a:rPr kumimoji="1" lang="zh-CN" altLang="en-US" sz="2800" dirty="0">
+                <a:latin typeface="微软雅黑" panose="020B0503020204020204" pitchFamily="34" charset="-122"/>
+                <a:ea typeface="Microsoft YaHei" panose="020B0503020204020204" pitchFamily="34" charset="-122"/>
+              </a:rPr>
+              <a:t>边</a:t>
+            </a:r>
+            <a:r>
+              <a:rPr kumimoji="1" lang="en-US" altLang="zh-CN" sz="2800" dirty="0">
+                <a:latin typeface="微软雅黑" panose="020B0503020204020204" pitchFamily="34" charset="-122"/>
+                <a:ea typeface="Microsoft YaHei" panose="020B0503020204020204" pitchFamily="34" charset="-122"/>
+              </a:rPr>
+              <a:t>)</a:t>
+            </a:r>
+            <a:r>
+              <a:rPr kumimoji="1" lang="zh-CN" altLang="en-US" sz="2800" dirty="0">
+                <a:latin typeface="微软雅黑" panose="020B0503020204020204" pitchFamily="34" charset="-122"/>
+                <a:ea typeface="Microsoft YaHei" panose="020B0503020204020204" pitchFamily="34" charset="-122"/>
+              </a:rPr>
+              <a:t>表示。</a:t>
+            </a:r>
           </a:p>
         </p:txBody>
       </p:sp>
@@ -5204,14 +6050,14 @@
                 <a:latin typeface="Microsoft YaHei" panose="020B0503020204020204" pitchFamily="34" charset="-122"/>
                 <a:ea typeface="Microsoft YaHei" panose="020B0503020204020204" pitchFamily="34" charset="-122"/>
               </a:rPr>
-              <a:t>3.</a:t>
+              <a:t>2.</a:t>
             </a:r>
             <a:r>
               <a:rPr kumimoji="1" lang="zh-CN" altLang="en-US" sz="4800" dirty="0">
                 <a:latin typeface="Microsoft YaHei" panose="020B0503020204020204" pitchFamily="34" charset="-122"/>
                 <a:ea typeface="Microsoft YaHei" panose="020B0503020204020204" pitchFamily="34" charset="-122"/>
               </a:rPr>
-              <a:t>图的存储结构</a:t>
+              <a:t>边的定义</a:t>
             </a:r>
           </a:p>
         </p:txBody>
@@ -5249,8 +6095,46 @@
                 <a:latin typeface="微软雅黑" panose="020B0503020204020204" pitchFamily="34" charset="-122"/>
                 <a:ea typeface="Microsoft YaHei" panose="020B0503020204020204" pitchFamily="34" charset="-122"/>
               </a:rPr>
-              <a:t>每个数据单元不止有数据，还包含指向下一个数据地址的信息，由此数据单元串联起来的方式叫链式存储</a:t>
-            </a:r>
+              <a:t>若顶点</a:t>
+            </a:r>
+            <a:r>
+              <a:rPr kumimoji="1" lang="en-US" altLang="zh-CN" sz="2800" dirty="0">
+                <a:latin typeface="微软雅黑" panose="020B0503020204020204" pitchFamily="34" charset="-122"/>
+                <a:ea typeface="Microsoft YaHei" panose="020B0503020204020204" pitchFamily="34" charset="-122"/>
+              </a:rPr>
+              <a:t>v1</a:t>
+            </a:r>
+            <a:r>
+              <a:rPr kumimoji="1" lang="zh-CN" altLang="en-US" sz="2800" dirty="0">
+                <a:latin typeface="微软雅黑" panose="020B0503020204020204" pitchFamily="34" charset="-122"/>
+                <a:ea typeface="Microsoft YaHei" panose="020B0503020204020204" pitchFamily="34" charset="-122"/>
+              </a:rPr>
+              <a:t> 到顶点</a:t>
+            </a:r>
+            <a:r>
+              <a:rPr kumimoji="1" lang="en-US" altLang="zh-CN" sz="2800" dirty="0">
+                <a:latin typeface="微软雅黑" panose="020B0503020204020204" pitchFamily="34" charset="-122"/>
+                <a:ea typeface="Microsoft YaHei" panose="020B0503020204020204" pitchFamily="34" charset="-122"/>
+              </a:rPr>
+              <a:t>v2</a:t>
+            </a:r>
+            <a:r>
+              <a:rPr kumimoji="1" lang="zh-CN" altLang="en-US" sz="2800" dirty="0">
+                <a:latin typeface="微软雅黑" panose="020B0503020204020204" pitchFamily="34" charset="-122"/>
+                <a:ea typeface="Microsoft YaHei" panose="020B0503020204020204" pitchFamily="34" charset="-122"/>
+              </a:rPr>
+              <a:t>之间的边没有方向，则称这条边为无向边</a:t>
+            </a:r>
+            <a:endParaRPr kumimoji="1" lang="en-US" altLang="zh-CN" sz="2800" dirty="0">
+              <a:latin typeface="微软雅黑" panose="020B0503020204020204" pitchFamily="34" charset="-122"/>
+              <a:ea typeface="Microsoft YaHei" panose="020B0503020204020204" pitchFamily="34" charset="-122"/>
+            </a:endParaRPr>
+          </a:p>
+          <a:p>
+            <a:endParaRPr kumimoji="1" lang="zh-CN" altLang="en-US" sz="2800" dirty="0">
+              <a:latin typeface="微软雅黑" panose="020B0503020204020204" pitchFamily="34" charset="-122"/>
+              <a:ea typeface="Microsoft YaHei" panose="020B0503020204020204" pitchFamily="34" charset="-122"/>
+            </a:endParaRPr>
           </a:p>
         </p:txBody>
       </p:sp>
@@ -5393,7 +6277,7 @@
         </p:nvSpPr>
         <p:spPr>
           <a:xfrm>
-            <a:off x="2054352" y="655874"/>
+            <a:off x="2054352" y="630545"/>
             <a:ext cx="8083296" cy="830997"/>
           </a:xfrm>
           <a:prstGeom prst="rect">
@@ -5413,14 +6297,138 @@
                 <a:latin typeface="Microsoft YaHei" panose="020B0503020204020204" pitchFamily="34" charset="-122"/>
                 <a:ea typeface="Microsoft YaHei" panose="020B0503020204020204" pitchFamily="34" charset="-122"/>
               </a:rPr>
-              <a:t>4.</a:t>
+              <a:t>3.</a:t>
             </a:r>
             <a:r>
               <a:rPr kumimoji="1" lang="zh-CN" altLang="en-US" sz="4800" dirty="0">
                 <a:latin typeface="Microsoft YaHei" panose="020B0503020204020204" pitchFamily="34" charset="-122"/>
                 <a:ea typeface="Microsoft YaHei" panose="020B0503020204020204" pitchFamily="34" charset="-122"/>
               </a:rPr>
-              <a:t>图的遍历</a:t>
+              <a:t>图的存储结构</a:t>
+            </a:r>
+          </a:p>
+        </p:txBody>
+      </p:sp>
+      <p:sp>
+        <p:nvSpPr>
+          <p:cNvPr id="8" name="文本框 7">
+            <a:extLst>
+              <a:ext uri="{FF2B5EF4-FFF2-40B4-BE49-F238E27FC236}">
+                <a16:creationId xmlns:a16="http://schemas.microsoft.com/office/drawing/2014/main" id="{75D7D6ED-43A8-DC4B-84B6-AB03F6270117}"/>
+              </a:ext>
+            </a:extLst>
+          </p:cNvPr>
+          <p:cNvSpPr txBox="1"/>
+          <p:nvPr/>
+        </p:nvSpPr>
+        <p:spPr>
+          <a:xfrm>
+            <a:off x="1610041" y="2576591"/>
+            <a:ext cx="9873121" cy="954107"/>
+          </a:xfrm>
+          <a:prstGeom prst="rect">
+            <a:avLst/>
+          </a:prstGeom>
+          <a:noFill/>
+        </p:spPr>
+        <p:txBody>
+          <a:bodyPr wrap="square" rtlCol="0">
+            <a:spAutoFit/>
+          </a:bodyPr>
+          <a:lstStyle/>
+          <a:p>
+            <a:r>
+              <a:rPr kumimoji="1" lang="zh-CN" altLang="en-US" sz="2800" dirty="0">
+                <a:latin typeface="微软雅黑" panose="020B0503020204020204" pitchFamily="34" charset="-122"/>
+                <a:ea typeface="Microsoft YaHei" panose="020B0503020204020204" pitchFamily="34" charset="-122"/>
+              </a:rPr>
+              <a:t>每个数据单元不止有数据，还包含指向下一个数据地址的信息，由此数据单元串联起来的方式叫链式存储</a:t>
+            </a:r>
+          </a:p>
+        </p:txBody>
+      </p:sp>
+      <p:sp>
+        <p:nvSpPr>
+          <p:cNvPr id="9" name="文本框 8">
+            <a:extLst>
+              <a:ext uri="{FF2B5EF4-FFF2-40B4-BE49-F238E27FC236}">
+                <a16:creationId xmlns:a16="http://schemas.microsoft.com/office/drawing/2014/main" id="{ED9B93DC-5880-9D4B-AD03-2A9ADCF8E4D4}"/>
+              </a:ext>
+            </a:extLst>
+          </p:cNvPr>
+          <p:cNvSpPr txBox="1"/>
+          <p:nvPr/>
+        </p:nvSpPr>
+        <p:spPr>
+          <a:xfrm>
+            <a:off x="540000" y="1800000"/>
+            <a:ext cx="1070042" cy="542675"/>
+          </a:xfrm>
+          <a:prstGeom prst="rect">
+            <a:avLst/>
+          </a:prstGeom>
+          <a:solidFill>
+            <a:schemeClr val="accent2"/>
+          </a:solidFill>
+        </p:spPr>
+        <p:txBody>
+          <a:bodyPr wrap="square" rtlCol="0">
+            <a:spAutoFit/>
+          </a:bodyPr>
+          <a:lstStyle/>
+          <a:p>
+            <a:r>
+              <a:rPr kumimoji="1" lang="zh-CN" altLang="en-US" sz="2800" dirty="0">
+                <a:solidFill>
+                  <a:schemeClr val="bg1"/>
+                </a:solidFill>
+                <a:latin typeface="Microsoft YaHei" panose="020B0503020204020204" pitchFamily="34" charset="-122"/>
+                <a:ea typeface="Microsoft YaHei" panose="020B0503020204020204" pitchFamily="34" charset="-122"/>
+              </a:rPr>
+              <a:t>定义</a:t>
+            </a:r>
+          </a:p>
+        </p:txBody>
+      </p:sp>
+      <p:sp>
+        <p:nvSpPr>
+          <p:cNvPr id="10" name="文本框 9">
+            <a:extLst>
+              <a:ext uri="{FF2B5EF4-FFF2-40B4-BE49-F238E27FC236}">
+                <a16:creationId xmlns:a16="http://schemas.microsoft.com/office/drawing/2014/main" id="{5732DAF2-E38B-774A-9902-B765D16F0ED3}"/>
+              </a:ext>
+            </a:extLst>
+          </p:cNvPr>
+          <p:cNvSpPr txBox="1"/>
+          <p:nvPr/>
+        </p:nvSpPr>
+        <p:spPr>
+          <a:xfrm>
+            <a:off x="540000" y="3960000"/>
+            <a:ext cx="1070042" cy="542675"/>
+          </a:xfrm>
+          <a:prstGeom prst="rect">
+            <a:avLst/>
+          </a:prstGeom>
+          <a:solidFill>
+            <a:schemeClr val="accent2"/>
+          </a:solidFill>
+        </p:spPr>
+        <p:txBody>
+          <a:bodyPr wrap="square" rtlCol="0">
+            <a:spAutoFit/>
+          </a:bodyPr>
+          <a:lstStyle/>
+          <a:p>
+            <a:r>
+              <a:rPr kumimoji="1" lang="zh-CN" altLang="en-US" sz="2800" dirty="0">
+                <a:solidFill>
+                  <a:schemeClr val="bg1"/>
+                </a:solidFill>
+                <a:latin typeface="Microsoft YaHei" panose="020B0503020204020204" pitchFamily="34" charset="-122"/>
+                <a:ea typeface="Microsoft YaHei" panose="020B0503020204020204" pitchFamily="34" charset="-122"/>
+              </a:rPr>
+              <a:t>例子</a:t>
             </a:r>
           </a:p>
         </p:txBody>
@@ -5428,7 +6436,7 @@
     </p:spTree>
     <p:extLst>
       <p:ext uri="{BB962C8B-B14F-4D97-AF65-F5344CB8AC3E}">
-        <p14:creationId xmlns:p14="http://schemas.microsoft.com/office/powerpoint/2010/main" val="1981531383"/>
+        <p14:creationId xmlns:p14="http://schemas.microsoft.com/office/powerpoint/2010/main" val="3247797907"/>
       </p:ext>
     </p:extLst>
   </p:cSld>
@@ -5478,7 +6486,7 @@
         </p:nvSpPr>
         <p:spPr>
           <a:xfrm>
-            <a:off x="2054352" y="718220"/>
+            <a:off x="2054352" y="655874"/>
             <a:ext cx="8083296" cy="830997"/>
           </a:xfrm>
           <a:prstGeom prst="rect">
@@ -5498,49 +6506,14 @@
                 <a:latin typeface="Microsoft YaHei" panose="020B0503020204020204" pitchFamily="34" charset="-122"/>
                 <a:ea typeface="Microsoft YaHei" panose="020B0503020204020204" pitchFamily="34" charset="-122"/>
               </a:rPr>
-              <a:t>5.</a:t>
+              <a:t>4.</a:t>
             </a:r>
             <a:r>
               <a:rPr kumimoji="1" lang="zh-CN" altLang="en-US" sz="4800" dirty="0">
                 <a:latin typeface="Microsoft YaHei" panose="020B0503020204020204" pitchFamily="34" charset="-122"/>
                 <a:ea typeface="Microsoft YaHei" panose="020B0503020204020204" pitchFamily="34" charset="-122"/>
               </a:rPr>
-              <a:t>最小生成树</a:t>
-            </a:r>
-          </a:p>
-        </p:txBody>
-      </p:sp>
-      <p:sp>
-        <p:nvSpPr>
-          <p:cNvPr id="2" name="文本框 1">
-            <a:extLst>
-              <a:ext uri="{FF2B5EF4-FFF2-40B4-BE49-F238E27FC236}">
-                <a16:creationId xmlns:a16="http://schemas.microsoft.com/office/drawing/2014/main" id="{2348A353-F74A-F749-85B3-0743B6EAB0EF}"/>
-              </a:ext>
-            </a:extLst>
-          </p:cNvPr>
-          <p:cNvSpPr txBox="1"/>
-          <p:nvPr/>
-        </p:nvSpPr>
-        <p:spPr>
-          <a:xfrm>
-            <a:off x="2466753" y="2445488"/>
-            <a:ext cx="6039294" cy="523220"/>
-          </a:xfrm>
-          <a:prstGeom prst="rect">
-            <a:avLst/>
-          </a:prstGeom>
-          <a:noFill/>
-        </p:spPr>
-        <p:txBody>
-          <a:bodyPr wrap="square" rtlCol="0">
-            <a:spAutoFit/>
-          </a:bodyPr>
-          <a:lstStyle/>
-          <a:p>
-            <a:r>
-              <a:rPr kumimoji="1" lang="zh-CN" altLang="en-US" sz="2800" dirty="0"/>
-              <a:t>基于单链表的基础，增加循环的功能</a:t>
+              <a:t>图的遍历</a:t>
             </a:r>
           </a:p>
         </p:txBody>
@@ -5548,7 +6521,7 @@
     </p:spTree>
     <p:extLst>
       <p:ext uri="{BB962C8B-B14F-4D97-AF65-F5344CB8AC3E}">
-        <p14:creationId xmlns:p14="http://schemas.microsoft.com/office/powerpoint/2010/main" val="1742615019"/>
+        <p14:creationId xmlns:p14="http://schemas.microsoft.com/office/powerpoint/2010/main" val="1981531383"/>
       </p:ext>
     </p:extLst>
   </p:cSld>
@@ -5618,14 +6591,14 @@
                 <a:latin typeface="Microsoft YaHei" panose="020B0503020204020204" pitchFamily="34" charset="-122"/>
                 <a:ea typeface="Microsoft YaHei" panose="020B0503020204020204" pitchFamily="34" charset="-122"/>
               </a:rPr>
-              <a:t>6.</a:t>
+              <a:t>5.</a:t>
             </a:r>
             <a:r>
               <a:rPr kumimoji="1" lang="zh-CN" altLang="en-US" sz="4800" dirty="0">
                 <a:latin typeface="Microsoft YaHei" panose="020B0503020204020204" pitchFamily="34" charset="-122"/>
                 <a:ea typeface="Microsoft YaHei" panose="020B0503020204020204" pitchFamily="34" charset="-122"/>
               </a:rPr>
-              <a:t>最短路径</a:t>
+              <a:t>最小生成树</a:t>
             </a:r>
           </a:p>
         </p:txBody>
@@ -5668,7 +6641,7 @@
     </p:spTree>
     <p:extLst>
       <p:ext uri="{BB962C8B-B14F-4D97-AF65-F5344CB8AC3E}">
-        <p14:creationId xmlns:p14="http://schemas.microsoft.com/office/powerpoint/2010/main" val="733518332"/>
+        <p14:creationId xmlns:p14="http://schemas.microsoft.com/office/powerpoint/2010/main" val="1742615019"/>
       </p:ext>
     </p:extLst>
   </p:cSld>
@@ -5738,14 +6711,14 @@
                 <a:latin typeface="Microsoft YaHei" panose="020B0503020204020204" pitchFamily="34" charset="-122"/>
                 <a:ea typeface="Microsoft YaHei" panose="020B0503020204020204" pitchFamily="34" charset="-122"/>
               </a:rPr>
-              <a:t>7.</a:t>
+              <a:t>6.</a:t>
             </a:r>
             <a:r>
               <a:rPr kumimoji="1" lang="zh-CN" altLang="en-US" sz="4800" dirty="0">
                 <a:latin typeface="Microsoft YaHei" panose="020B0503020204020204" pitchFamily="34" charset="-122"/>
                 <a:ea typeface="Microsoft YaHei" panose="020B0503020204020204" pitchFamily="34" charset="-122"/>
               </a:rPr>
-              <a:t>拓扑排序和关键路径</a:t>
+              <a:t>最短路径</a:t>
             </a:r>
           </a:p>
         </p:txBody>
@@ -5788,7 +6761,7 @@
     </p:spTree>
     <p:extLst>
       <p:ext uri="{BB962C8B-B14F-4D97-AF65-F5344CB8AC3E}">
-        <p14:creationId xmlns:p14="http://schemas.microsoft.com/office/powerpoint/2010/main" val="824558750"/>
+        <p14:creationId xmlns:p14="http://schemas.microsoft.com/office/powerpoint/2010/main" val="733518332"/>
       </p:ext>
     </p:extLst>
   </p:cSld>
